--- a/Keynote/MonkeyConf2021 - Keynote.pptx
+++ b/Keynote/MonkeyConf2021 - Keynote.pptx
@@ -5,10 +5,10 @@
     <p:sldMasterId id="2147483672" r:id="rId1"/>
   </p:sldMasterIdLst>
   <p:notesMasterIdLst>
-    <p:notesMasterId r:id="rId11"/>
+    <p:notesMasterId r:id="rId12"/>
   </p:notesMasterIdLst>
   <p:handoutMasterIdLst>
-    <p:handoutMasterId r:id="rId12"/>
+    <p:handoutMasterId r:id="rId13"/>
   </p:handoutMasterIdLst>
   <p:sldIdLst>
     <p:sldId id="283" r:id="rId2"/>
@@ -18,8 +18,9 @@
     <p:sldId id="290" r:id="rId6"/>
     <p:sldId id="10565" r:id="rId7"/>
     <p:sldId id="327" r:id="rId8"/>
-    <p:sldId id="10561" r:id="rId9"/>
-    <p:sldId id="280" r:id="rId10"/>
+    <p:sldId id="10566" r:id="rId9"/>
+    <p:sldId id="10561" r:id="rId10"/>
+    <p:sldId id="280" r:id="rId11"/>
   </p:sldIdLst>
   <p:sldSz cx="24382413" cy="13716000"/>
   <p:notesSz cx="6858000" cy="9144000"/>
@@ -234,7 +235,7 @@
           <a:p>
             <a:fld id="{48721200-539F-1341-850E-0E51CA3393E5}" type="datetimeFigureOut">
               <a:rPr lang="es-ES" smtClean="0"/>
-              <a:t>19/11/21</a:t>
+              <a:t>28/11/21</a:t>
             </a:fld>
             <a:endParaRPr lang="es-ES"/>
           </a:p>
@@ -411,7 +412,7 @@
           <a:p>
             <a:fld id="{EC77AEC1-1928-414E-A654-B09E4EE0B039}" type="datetimeFigureOut">
               <a:rPr lang="es-ES" smtClean="0"/>
-              <a:t>19/11/21</a:t>
+              <a:t>28/11/21</a:t>
             </a:fld>
             <a:endParaRPr lang="es-ES"/>
           </a:p>
@@ -1023,7 +1024,7 @@
           <a:p>
             <a:fld id="{608335E2-14BF-F246-8200-622169DBE8EA}" type="datetimeFigureOut">
               <a:rPr lang="es-ES" smtClean="0"/>
-              <a:t>19/11/21</a:t>
+              <a:t>28/11/21</a:t>
             </a:fld>
             <a:endParaRPr lang="es-ES"/>
           </a:p>
@@ -1214,7 +1215,7 @@
           <a:p>
             <a:fld id="{608335E2-14BF-F246-8200-622169DBE8EA}" type="datetimeFigureOut">
               <a:rPr lang="es-ES" smtClean="0"/>
-              <a:t>19/11/21</a:t>
+              <a:t>28/11/21</a:t>
             </a:fld>
             <a:endParaRPr lang="es-ES"/>
           </a:p>
@@ -1339,7 +1340,7 @@
           <a:p>
             <a:fld id="{608335E2-14BF-F246-8200-622169DBE8EA}" type="datetimeFigureOut">
               <a:rPr lang="es-ES" smtClean="0"/>
-              <a:t>19/11/21</a:t>
+              <a:t>28/11/21</a:t>
             </a:fld>
             <a:endParaRPr lang="es-ES"/>
           </a:p>
@@ -1559,7 +1560,7 @@
           <a:p>
             <a:fld id="{608335E2-14BF-F246-8200-622169DBE8EA}" type="datetimeFigureOut">
               <a:rPr lang="es-ES" smtClean="0"/>
-              <a:t>19/11/21</a:t>
+              <a:t>28/11/21</a:t>
             </a:fld>
             <a:endParaRPr lang="es-ES"/>
           </a:p>
@@ -3600,7 +3601,7 @@
           <a:p>
             <a:fld id="{608335E2-14BF-F246-8200-622169DBE8EA}" type="datetimeFigureOut">
               <a:rPr lang="es-ES" smtClean="0"/>
-              <a:t>19/11/21</a:t>
+              <a:t>28/11/21</a:t>
             </a:fld>
             <a:endParaRPr lang="es-ES"/>
           </a:p>
@@ -3835,7 +3836,7 @@
           <a:p>
             <a:fld id="{608335E2-14BF-F246-8200-622169DBE8EA}" type="datetimeFigureOut">
               <a:rPr lang="es-ES" smtClean="0"/>
-              <a:t>19/11/21</a:t>
+              <a:t>28/11/21</a:t>
             </a:fld>
             <a:endParaRPr lang="es-ES"/>
           </a:p>
@@ -4036,7 +4037,7 @@
           <a:p>
             <a:fld id="{608335E2-14BF-F246-8200-622169DBE8EA}" type="datetimeFigureOut">
               <a:rPr lang="es-ES" smtClean="0"/>
-              <a:t>19/11/21</a:t>
+              <a:t>28/11/21</a:t>
             </a:fld>
             <a:endParaRPr lang="es-ES"/>
           </a:p>
@@ -4390,7 +4391,7 @@
           <a:p>
             <a:fld id="{608335E2-14BF-F246-8200-622169DBE8EA}" type="datetimeFigureOut">
               <a:rPr lang="es-ES" smtClean="0"/>
-              <a:t>19/11/21</a:t>
+              <a:t>28/11/21</a:t>
             </a:fld>
             <a:endParaRPr lang="es-ES"/>
           </a:p>
@@ -4671,7 +4672,7 @@
           <a:p>
             <a:fld id="{608335E2-14BF-F246-8200-622169DBE8EA}" type="datetimeFigureOut">
               <a:rPr lang="es-ES" smtClean="0"/>
-              <a:t>19/11/21</a:t>
+              <a:t>28/11/21</a:t>
             </a:fld>
             <a:endParaRPr lang="es-ES"/>
           </a:p>
@@ -4982,7 +4983,7 @@
           <a:p>
             <a:fld id="{608335E2-14BF-F246-8200-622169DBE8EA}" type="datetimeFigureOut">
               <a:rPr lang="es-ES" smtClean="0"/>
-              <a:t>19/11/21</a:t>
+              <a:t>28/11/21</a:t>
             </a:fld>
             <a:endParaRPr lang="es-ES"/>
           </a:p>
@@ -5228,7 +5229,7 @@
           <a:p>
             <a:fld id="{608335E2-14BF-F246-8200-622169DBE8EA}" type="datetimeFigureOut">
               <a:rPr lang="es-ES" smtClean="0"/>
-              <a:t>19/11/21</a:t>
+              <a:t>28/11/21</a:t>
             </a:fld>
             <a:endParaRPr lang="es-ES"/>
           </a:p>
@@ -5700,6 +5701,50 @@
 </p:sld>
 </file>
 
+<file path=ppt/slides/slide10.xml><?xml version="1.0" encoding="utf-8"?>
+<p:sld xmlns:a="http://schemas.openxmlformats.org/drawingml/2006/main" xmlns:r="http://schemas.openxmlformats.org/officeDocument/2006/relationships" xmlns:p="http://schemas.openxmlformats.org/presentationml/2006/main">
+  <p:cSld>
+    <p:bg>
+      <p:bgPr>
+        <a:blipFill dpi="0" rotWithShape="1">
+          <a:blip r:embed="rId2">
+            <a:lum/>
+          </a:blip>
+          <a:srcRect/>
+          <a:stretch>
+            <a:fillRect/>
+          </a:stretch>
+        </a:blipFill>
+        <a:effectLst/>
+      </p:bgPr>
+    </p:bg>
+    <p:spTree>
+      <p:nvGrpSpPr>
+        <p:cNvPr id="1" name=""/>
+        <p:cNvGrpSpPr/>
+        <p:nvPr/>
+      </p:nvGrpSpPr>
+      <p:grpSpPr>
+        <a:xfrm>
+          <a:off x="0" y="0"/>
+          <a:ext cx="0" cy="0"/>
+          <a:chOff x="0" y="0"/>
+          <a:chExt cx="0" cy="0"/>
+        </a:xfrm>
+      </p:grpSpPr>
+    </p:spTree>
+    <p:extLst>
+      <p:ext uri="{BB962C8B-B14F-4D97-AF65-F5344CB8AC3E}">
+        <p14:creationId xmlns:p14="http://schemas.microsoft.com/office/powerpoint/2010/main" val="2866371465"/>
+      </p:ext>
+    </p:extLst>
+  </p:cSld>
+  <p:clrMapOvr>
+    <a:masterClrMapping/>
+  </p:clrMapOvr>
+</p:sld>
+</file>
+
 <file path=ppt/slides/slide2.xml><?xml version="1.0" encoding="utf-8"?>
 <p:sld xmlns:a="http://schemas.openxmlformats.org/drawingml/2006/main" xmlns:r="http://schemas.openxmlformats.org/officeDocument/2006/relationships" xmlns:p="http://schemas.openxmlformats.org/presentationml/2006/main">
   <p:cSld>
@@ -6243,10 +6288,10 @@
       </p:grpSpPr>
       <p:sp>
         <p:nvSpPr>
-          <p:cNvPr id="2" name="Title 1">
+          <p:cNvPr id="2" name="Marcador de texto 1">
             <a:extLst>
               <a:ext uri="{FF2B5EF4-FFF2-40B4-BE49-F238E27FC236}">
-                <a16:creationId xmlns:a16="http://schemas.microsoft.com/office/drawing/2014/main" id="{45F8604F-8DAF-9A4D-ABE5-3E9FDFE96D22}"/>
+                <a16:creationId xmlns:a16="http://schemas.microsoft.com/office/drawing/2014/main" id="{11F3008E-068C-4B0B-AD99-FDE263C0A6E1}"/>
               </a:ext>
             </a:extLst>
           </p:cNvPr>
@@ -6254,17 +6299,166 @@
             <a:spLocks noGrp="1"/>
           </p:cNvSpPr>
           <p:nvPr>
-            <p:ph type="ctrTitle"/>
+            <p:ph type="body" sz="quarter" idx="21"/>
+          </p:nvPr>
+        </p:nvSpPr>
+        <p:spPr>
+          <a:xfrm>
+            <a:off x="1219121" y="3090256"/>
+            <a:ext cx="21944171" cy="9768463"/>
+          </a:xfrm>
+        </p:spPr>
+        <p:txBody>
+          <a:bodyPr>
+            <a:normAutofit/>
+          </a:bodyPr>
+          <a:lstStyle/>
+          <a:p>
+            <a:pPr marL="0" indent="0">
+              <a:buNone/>
+            </a:pPr>
+            <a:r>
+              <a:rPr lang="es-ES" sz="7200" dirty="0"/>
+              <a:t>Participad en Twitter usando el hashtag:</a:t>
+            </a:r>
+          </a:p>
+          <a:p>
+            <a:pPr marL="0" indent="0" algn="ctr">
+              <a:buNone/>
+            </a:pPr>
+            <a:endParaRPr lang="es-ES" sz="7200" dirty="0">
+              <a:solidFill>
+                <a:schemeClr val="bg1"/>
+              </a:solidFill>
+              <a:highlight>
+                <a:srgbClr val="800080"/>
+              </a:highlight>
+            </a:endParaRPr>
+          </a:p>
+          <a:p>
+            <a:pPr marL="0" indent="0" algn="ctr">
+              <a:buNone/>
+            </a:pPr>
+            <a:endParaRPr lang="es-ES" sz="7200" dirty="0">
+              <a:solidFill>
+                <a:schemeClr val="bg1"/>
+              </a:solidFill>
+              <a:highlight>
+                <a:srgbClr val="800080"/>
+              </a:highlight>
+            </a:endParaRPr>
+          </a:p>
+          <a:p>
+            <a:pPr marL="0" indent="0" algn="ctr">
+              <a:buNone/>
+            </a:pPr>
+            <a:endParaRPr lang="es-ES" sz="7200" dirty="0">
+              <a:solidFill>
+                <a:schemeClr val="bg1"/>
+              </a:solidFill>
+              <a:highlight>
+                <a:srgbClr val="800080"/>
+              </a:highlight>
+            </a:endParaRPr>
+          </a:p>
+          <a:p>
+            <a:pPr marL="0" indent="0" algn="ctr">
+              <a:buNone/>
+            </a:pPr>
+            <a:r>
+              <a:rPr lang="es-ES" sz="11500" dirty="0">
+                <a:solidFill>
+                  <a:schemeClr val="bg1"/>
+                </a:solidFill>
+                <a:highlight>
+                  <a:srgbClr val="552B67"/>
+                </a:highlight>
+              </a:rPr>
+              <a:t>#</a:t>
+            </a:r>
+            <a:r>
+              <a:rPr lang="es-ES" sz="11500" dirty="0" err="1">
+                <a:solidFill>
+                  <a:schemeClr val="bg1"/>
+                </a:solidFill>
+                <a:highlight>
+                  <a:srgbClr val="552B67"/>
+                </a:highlight>
+              </a:rPr>
+              <a:t>MonkeyConf</a:t>
+            </a:r>
+            <a:r>
+              <a:rPr lang="es-ES" sz="11500" dirty="0">
+                <a:solidFill>
+                  <a:schemeClr val="bg1"/>
+                </a:solidFill>
+              </a:rPr>
+              <a:t> </a:t>
+            </a:r>
+            <a:r>
+              <a:rPr lang="es-ES" sz="11500" dirty="0"/>
+              <a:t>o </a:t>
+            </a:r>
+            <a:r>
+              <a:rPr lang="es-ES" sz="11500" dirty="0">
+                <a:solidFill>
+                  <a:schemeClr val="bg1"/>
+                </a:solidFill>
+                <a:highlight>
+                  <a:srgbClr val="552B67"/>
+                </a:highlight>
+              </a:rPr>
+              <a:t>#MonkeyConf2021</a:t>
+            </a:r>
+            <a:endParaRPr lang="es-ES" sz="19900" dirty="0">
+              <a:solidFill>
+                <a:schemeClr val="bg1"/>
+              </a:solidFill>
+              <a:highlight>
+                <a:srgbClr val="552B67"/>
+              </a:highlight>
+            </a:endParaRPr>
+          </a:p>
+        </p:txBody>
+      </p:sp>
+      <p:sp>
+        <p:nvSpPr>
+          <p:cNvPr id="3" name="Título 2">
+            <a:extLst>
+              <a:ext uri="{FF2B5EF4-FFF2-40B4-BE49-F238E27FC236}">
+                <a16:creationId xmlns:a16="http://schemas.microsoft.com/office/drawing/2014/main" id="{3E31E761-19AB-434A-B29A-3AB57174CCC8}"/>
+              </a:ext>
+            </a:extLst>
+          </p:cNvPr>
+          <p:cNvSpPr>
+            <a:spLocks noGrp="1"/>
+          </p:cNvSpPr>
+          <p:nvPr>
+            <p:ph type="title"/>
           </p:nvPr>
         </p:nvSpPr>
         <p:spPr/>
         <p:txBody>
-          <a:bodyPr/>
+          <a:bodyPr>
+            <a:normAutofit fontScale="90000"/>
+          </a:bodyPr>
           <a:lstStyle/>
           <a:p>
             <a:r>
-              <a:rPr lang="es-ES"/>
-              <a:t>Preguntas &amp; Respuestas</a:t>
+              <a:rPr lang="es-ES" dirty="0" err="1"/>
+              <a:t>Monkey</a:t>
+            </a:r>
+            <a:r>
+              <a:rPr lang="es-ES" dirty="0"/>
+              <a:t> </a:t>
+            </a:r>
+            <a:r>
+              <a:rPr lang="es-ES" dirty="0" err="1"/>
+              <a:t>Conf</a:t>
+            </a:r>
+            <a:r>
+              <a:rPr lang="es-ES" dirty="0"/>
+              <a:t> 2021</a:t>
             </a:r>
           </a:p>
         </p:txBody>
@@ -6272,33 +6466,31 @@
     </p:spTree>
     <p:extLst>
       <p:ext uri="{BB962C8B-B14F-4D97-AF65-F5344CB8AC3E}">
-        <p14:creationId xmlns:p14="http://schemas.microsoft.com/office/powerpoint/2010/main" val="3984874357"/>
+        <p14:creationId xmlns:p14="http://schemas.microsoft.com/office/powerpoint/2010/main" val="1925216913"/>
       </p:ext>
     </p:extLst>
   </p:cSld>
   <p:clrMapOvr>
     <a:masterClrMapping/>
   </p:clrMapOvr>
+  <mc:AlternateContent xmlns:mc="http://schemas.openxmlformats.org/markup-compatibility/2006" xmlns:p14="http://schemas.microsoft.com/office/powerpoint/2010/main">
+    <mc:Choice Requires="p14">
+      <p:transition spd="med" p14:dur="700">
+        <p:fade/>
+      </p:transition>
+    </mc:Choice>
+    <mc:Fallback xmlns="">
+      <p:transition spd="med">
+        <p:fade/>
+      </p:transition>
+    </mc:Fallback>
+  </mc:AlternateContent>
 </p:sld>
 </file>
 
 <file path=ppt/slides/slide9.xml><?xml version="1.0" encoding="utf-8"?>
 <p:sld xmlns:a="http://schemas.openxmlformats.org/drawingml/2006/main" xmlns:r="http://schemas.openxmlformats.org/officeDocument/2006/relationships" xmlns:p="http://schemas.openxmlformats.org/presentationml/2006/main">
   <p:cSld>
-    <p:bg>
-      <p:bgPr>
-        <a:blipFill dpi="0" rotWithShape="1">
-          <a:blip r:embed="rId2">
-            <a:lum/>
-          </a:blip>
-          <a:srcRect/>
-          <a:stretch>
-            <a:fillRect/>
-          </a:stretch>
-        </a:blipFill>
-        <a:effectLst/>
-      </p:bgPr>
-    </p:bg>
     <p:spTree>
       <p:nvGrpSpPr>
         <p:cNvPr id="1" name=""/>
@@ -6313,10 +6505,38 @@
           <a:chExt cx="0" cy="0"/>
         </a:xfrm>
       </p:grpSpPr>
+      <p:sp>
+        <p:nvSpPr>
+          <p:cNvPr id="2" name="Title 1">
+            <a:extLst>
+              <a:ext uri="{FF2B5EF4-FFF2-40B4-BE49-F238E27FC236}">
+                <a16:creationId xmlns:a16="http://schemas.microsoft.com/office/drawing/2014/main" id="{45F8604F-8DAF-9A4D-ABE5-3E9FDFE96D22}"/>
+              </a:ext>
+            </a:extLst>
+          </p:cNvPr>
+          <p:cNvSpPr>
+            <a:spLocks noGrp="1"/>
+          </p:cNvSpPr>
+          <p:nvPr>
+            <p:ph type="ctrTitle"/>
+          </p:nvPr>
+        </p:nvSpPr>
+        <p:spPr/>
+        <p:txBody>
+          <a:bodyPr/>
+          <a:lstStyle/>
+          <a:p>
+            <a:r>
+              <a:rPr lang="es-ES"/>
+              <a:t>Preguntas &amp; Respuestas</a:t>
+            </a:r>
+          </a:p>
+        </p:txBody>
+      </p:sp>
     </p:spTree>
     <p:extLst>
       <p:ext uri="{BB962C8B-B14F-4D97-AF65-F5344CB8AC3E}">
-        <p14:creationId xmlns:p14="http://schemas.microsoft.com/office/powerpoint/2010/main" val="2866371465"/>
+        <p14:creationId xmlns:p14="http://schemas.microsoft.com/office/powerpoint/2010/main" val="3984874357"/>
       </p:ext>
     </p:extLst>
   </p:cSld>
